--- a/design/iteration02-Logical.pptx
+++ b/design/iteration02-Logical.pptx
@@ -263,7 +263,7 @@
           <a:p>
             <a:fld id="{03039DEF-FDE3-4B31-A2CE-343FEEA22E7A}" type="datetimeFigureOut">
               <a:rPr lang="en-US" smtClean="0"/>
-              <a:t>6/7/2017</a:t>
+              <a:t>6/14/2017</a:t>
             </a:fld>
             <a:endParaRPr lang="en-US"/>
           </a:p>
@@ -461,7 +461,7 @@
           <a:p>
             <a:fld id="{03039DEF-FDE3-4B31-A2CE-343FEEA22E7A}" type="datetimeFigureOut">
               <a:rPr lang="en-US" smtClean="0"/>
-              <a:t>6/7/2017</a:t>
+              <a:t>6/14/2017</a:t>
             </a:fld>
             <a:endParaRPr lang="en-US"/>
           </a:p>
@@ -669,7 +669,7 @@
           <a:p>
             <a:fld id="{03039DEF-FDE3-4B31-A2CE-343FEEA22E7A}" type="datetimeFigureOut">
               <a:rPr lang="en-US" smtClean="0"/>
-              <a:t>6/7/2017</a:t>
+              <a:t>6/14/2017</a:t>
             </a:fld>
             <a:endParaRPr lang="en-US"/>
           </a:p>
@@ -867,7 +867,7 @@
           <a:p>
             <a:fld id="{03039DEF-FDE3-4B31-A2CE-343FEEA22E7A}" type="datetimeFigureOut">
               <a:rPr lang="en-US" smtClean="0"/>
-              <a:t>6/7/2017</a:t>
+              <a:t>6/14/2017</a:t>
             </a:fld>
             <a:endParaRPr lang="en-US"/>
           </a:p>
@@ -1142,7 +1142,7 @@
           <a:p>
             <a:fld id="{03039DEF-FDE3-4B31-A2CE-343FEEA22E7A}" type="datetimeFigureOut">
               <a:rPr lang="en-US" smtClean="0"/>
-              <a:t>6/7/2017</a:t>
+              <a:t>6/14/2017</a:t>
             </a:fld>
             <a:endParaRPr lang="en-US"/>
           </a:p>
@@ -1407,7 +1407,7 @@
           <a:p>
             <a:fld id="{03039DEF-FDE3-4B31-A2CE-343FEEA22E7A}" type="datetimeFigureOut">
               <a:rPr lang="en-US" smtClean="0"/>
-              <a:t>6/7/2017</a:t>
+              <a:t>6/14/2017</a:t>
             </a:fld>
             <a:endParaRPr lang="en-US"/>
           </a:p>
@@ -1819,7 +1819,7 @@
           <a:p>
             <a:fld id="{03039DEF-FDE3-4B31-A2CE-343FEEA22E7A}" type="datetimeFigureOut">
               <a:rPr lang="en-US" smtClean="0"/>
-              <a:t>6/7/2017</a:t>
+              <a:t>6/14/2017</a:t>
             </a:fld>
             <a:endParaRPr lang="en-US"/>
           </a:p>
@@ -1960,7 +1960,7 @@
           <a:p>
             <a:fld id="{03039DEF-FDE3-4B31-A2CE-343FEEA22E7A}" type="datetimeFigureOut">
               <a:rPr lang="en-US" smtClean="0"/>
-              <a:t>6/7/2017</a:t>
+              <a:t>6/14/2017</a:t>
             </a:fld>
             <a:endParaRPr lang="en-US"/>
           </a:p>
@@ -2073,7 +2073,7 @@
           <a:p>
             <a:fld id="{03039DEF-FDE3-4B31-A2CE-343FEEA22E7A}" type="datetimeFigureOut">
               <a:rPr lang="en-US" smtClean="0"/>
-              <a:t>6/7/2017</a:t>
+              <a:t>6/14/2017</a:t>
             </a:fld>
             <a:endParaRPr lang="en-US"/>
           </a:p>
@@ -2384,7 +2384,7 @@
           <a:p>
             <a:fld id="{03039DEF-FDE3-4B31-A2CE-343FEEA22E7A}" type="datetimeFigureOut">
               <a:rPr lang="en-US" smtClean="0"/>
-              <a:t>6/7/2017</a:t>
+              <a:t>6/14/2017</a:t>
             </a:fld>
             <a:endParaRPr lang="en-US"/>
           </a:p>
@@ -2672,7 +2672,7 @@
           <a:p>
             <a:fld id="{03039DEF-FDE3-4B31-A2CE-343FEEA22E7A}" type="datetimeFigureOut">
               <a:rPr lang="en-US" smtClean="0"/>
-              <a:t>6/7/2017</a:t>
+              <a:t>6/14/2017</a:t>
             </a:fld>
             <a:endParaRPr lang="en-US"/>
           </a:p>
@@ -2913,7 +2913,7 @@
           <a:p>
             <a:fld id="{03039DEF-FDE3-4B31-A2CE-343FEEA22E7A}" type="datetimeFigureOut">
               <a:rPr lang="en-US" smtClean="0"/>
-              <a:t>6/7/2017</a:t>
+              <a:t>6/14/2017</a:t>
             </a:fld>
             <a:endParaRPr lang="en-US"/>
           </a:p>
@@ -6755,6 +6755,69 @@
           </a:fontRef>
         </p:style>
       </p:cxnSp>
+      <p:sp>
+        <p:nvSpPr>
+          <p:cNvPr id="77" name="TextBox 76">
+            <a:extLst>
+              <a:ext uri="{FF2B5EF4-FFF2-40B4-BE49-F238E27FC236}">
+                <a16:creationId xmlns:a16="http://schemas.microsoft.com/office/drawing/2014/main" id="{DD358583-1A67-4BF5-80D2-377DE713DDDE}"/>
+              </a:ext>
+            </a:extLst>
+          </p:cNvPr>
+          <p:cNvSpPr txBox="1"/>
+          <p:nvPr/>
+        </p:nvSpPr>
+        <p:spPr>
+          <a:xfrm>
+            <a:off x="45307" y="5765463"/>
+            <a:ext cx="3182679" cy="923330"/>
+          </a:xfrm>
+          <a:prstGeom prst="rect">
+            <a:avLst/>
+          </a:prstGeom>
+          <a:noFill/>
+        </p:spPr>
+        <p:txBody>
+          <a:bodyPr wrap="square" rtlCol="0">
+            <a:spAutoFit/>
+          </a:bodyPr>
+          <a:lstStyle/>
+          <a:p>
+            <a:r>
+              <a:rPr lang="en-US" dirty="0"/>
+              <a:t>--Iteration02 Logical</a:t>
+            </a:r>
+          </a:p>
+          <a:p>
+            <a:r>
+              <a:rPr lang="en-US" dirty="0"/>
+              <a:t>--Lee Torgerson &amp; Justin Ridings</a:t>
+            </a:r>
+          </a:p>
+          <a:p>
+            <a:r>
+              <a:rPr lang="en-US" dirty="0"/>
+              <a:t>--</a:t>
+            </a:r>
+            <a:r>
+              <a:rPr lang="en-US"/>
+              <a:t>June 1</a:t>
+            </a:r>
+            <a:r>
+              <a:rPr lang="en-US" dirty="0"/>
+              <a:t>3</a:t>
+            </a:r>
+            <a:r>
+              <a:rPr lang="en-US"/>
+              <a:t>th</a:t>
+            </a:r>
+            <a:r>
+              <a:rPr lang="en-US" dirty="0"/>
+              <a:t>, 2017</a:t>
+            </a:r>
+          </a:p>
+        </p:txBody>
+      </p:sp>
     </p:spTree>
     <p:extLst>
       <p:ext uri="{BB962C8B-B14F-4D97-AF65-F5344CB8AC3E}">
